--- a/lab6-Lucene3/lab6-lucene3_v1.pptx
+++ b/lab6-Lucene3/lab6-lucene3_v1.pptx
@@ -206,7 +206,7 @@
           <a:p>
             <a:fld id="{3CB4DFE6-19B7-45E1-ABC7-CD6B65AA846C}" type="datetimeFigureOut">
               <a:rPr lang="en-US" smtClean="0"/>
-              <a:t>10/8/2021</a:t>
+              <a:t>10/24/2021</a:t>
             </a:fld>
             <a:endParaRPr lang="en-US"/>
           </a:p>
@@ -839,7 +839,7 @@
           <a:p>
             <a:fld id="{D9AC18CD-CBFF-4F16-991F-7F44B13A7A19}" type="datetime1">
               <a:rPr lang="en-US" smtClean="0"/>
-              <a:t>10/8/2021</a:t>
+              <a:t>10/24/2021</a:t>
             </a:fld>
             <a:endParaRPr lang="en-US"/>
           </a:p>
@@ -1362,7 +1362,7 @@
           <a:p>
             <a:fld id="{438BDDBE-63F2-4029-93CB-1FD36FC0CE69}" type="datetime1">
               <a:rPr lang="en-US" smtClean="0"/>
-              <a:t>10/8/2021</a:t>
+              <a:t>10/24/2021</a:t>
             </a:fld>
             <a:endParaRPr lang="en-US"/>
           </a:p>
@@ -1647,7 +1647,7 @@
           <a:p>
             <a:fld id="{D9AC18CD-CBFF-4F16-991F-7F44B13A7A19}" type="datetime1">
               <a:rPr lang="en-US" smtClean="0"/>
-              <a:t>10/8/2021</a:t>
+              <a:t>10/24/2021</a:t>
             </a:fld>
             <a:endParaRPr lang="en-US"/>
           </a:p>
@@ -2120,7 +2120,7 @@
           <a:p>
             <a:fld id="{438BDDBE-63F2-4029-93CB-1FD36FC0CE69}" type="datetime1">
               <a:rPr lang="en-US" smtClean="0"/>
-              <a:t>10/8/2021</a:t>
+              <a:t>10/24/2021</a:t>
             </a:fld>
             <a:endParaRPr lang="en-US"/>
           </a:p>
@@ -2365,7 +2365,7 @@
           <a:p>
             <a:fld id="{DF38C4BE-9E29-43C6-AAAE-97E97D06273F}" type="datetime1">
               <a:rPr lang="en-US" smtClean="0"/>
-              <a:t>10/8/2021</a:t>
+              <a:t>10/24/2021</a:t>
             </a:fld>
             <a:endParaRPr lang="en-US"/>
           </a:p>
@@ -2914,7 +2914,7 @@
           <a:p>
             <a:fld id="{DF38C4BE-9E29-43C6-AAAE-97E97D06273F}" type="datetime1">
               <a:rPr lang="en-US" smtClean="0"/>
-              <a:t>10/8/2021</a:t>
+              <a:t>10/24/2021</a:t>
             </a:fld>
             <a:endParaRPr lang="en-US"/>
           </a:p>
@@ -4487,7 +4487,7 @@
         </p:blipFill>
         <p:spPr>
           <a:xfrm>
-            <a:off x="7206057" y="2822472"/>
+            <a:off x="2583257" y="2562872"/>
             <a:ext cx="4985943" cy="3930003"/>
           </a:xfrm>
           <a:prstGeom prst="rect">
@@ -9189,11 +9189,7 @@
             <a:pPr lvl="3"/>
             <a:r>
               <a:rPr lang="zh-CN" altLang="en-US" dirty="0"/>
-              <a:t>本题无标准答案，设计有理</a:t>
-            </a:r>
-            <a:r>
-              <a:rPr lang="zh-CN" altLang="en-US"/>
-              <a:t>即可（至少重构两种）</a:t>
+              <a:t>本题无标准答案，设计有理即可（至少重构两种）</a:t>
             </a:r>
             <a:endParaRPr lang="en-US" altLang="zh-CN" dirty="0"/>
           </a:p>

--- a/lab6-Lucene3/lab6-lucene3_v1.pptx
+++ b/lab6-Lucene3/lab6-lucene3_v1.pptx
@@ -206,7 +206,7 @@
           <a:p>
             <a:fld id="{3CB4DFE6-19B7-45E1-ABC7-CD6B65AA846C}" type="datetimeFigureOut">
               <a:rPr lang="en-US" smtClean="0"/>
-              <a:t>10/24/2021</a:t>
+              <a:t>10/28/2021</a:t>
             </a:fld>
             <a:endParaRPr lang="en-US"/>
           </a:p>
@@ -839,7 +839,7 @@
           <a:p>
             <a:fld id="{D9AC18CD-CBFF-4F16-991F-7F44B13A7A19}" type="datetime1">
               <a:rPr lang="en-US" smtClean="0"/>
-              <a:t>10/24/2021</a:t>
+              <a:t>10/28/2021</a:t>
             </a:fld>
             <a:endParaRPr lang="en-US"/>
           </a:p>
@@ -1362,7 +1362,7 @@
           <a:p>
             <a:fld id="{438BDDBE-63F2-4029-93CB-1FD36FC0CE69}" type="datetime1">
               <a:rPr lang="en-US" smtClean="0"/>
-              <a:t>10/24/2021</a:t>
+              <a:t>10/28/2021</a:t>
             </a:fld>
             <a:endParaRPr lang="en-US"/>
           </a:p>
@@ -1647,7 +1647,7 @@
           <a:p>
             <a:fld id="{D9AC18CD-CBFF-4F16-991F-7F44B13A7A19}" type="datetime1">
               <a:rPr lang="en-US" smtClean="0"/>
-              <a:t>10/24/2021</a:t>
+              <a:t>10/28/2021</a:t>
             </a:fld>
             <a:endParaRPr lang="en-US"/>
           </a:p>
@@ -2120,7 +2120,7 @@
           <a:p>
             <a:fld id="{438BDDBE-63F2-4029-93CB-1FD36FC0CE69}" type="datetime1">
               <a:rPr lang="en-US" smtClean="0"/>
-              <a:t>10/24/2021</a:t>
+              <a:t>10/28/2021</a:t>
             </a:fld>
             <a:endParaRPr lang="en-US"/>
           </a:p>
@@ -2365,7 +2365,7 @@
           <a:p>
             <a:fld id="{DF38C4BE-9E29-43C6-AAAE-97E97D06273F}" type="datetime1">
               <a:rPr lang="en-US" smtClean="0"/>
-              <a:t>10/24/2021</a:t>
+              <a:t>10/28/2021</a:t>
             </a:fld>
             <a:endParaRPr lang="en-US"/>
           </a:p>
@@ -2914,7 +2914,7 @@
           <a:p>
             <a:fld id="{DF38C4BE-9E29-43C6-AAAE-97E97D06273F}" type="datetime1">
               <a:rPr lang="en-US" smtClean="0"/>
-              <a:t>10/24/2021</a:t>
+              <a:t>10/28/2021</a:t>
             </a:fld>
             <a:endParaRPr lang="en-US"/>
           </a:p>
@@ -4487,7 +4487,7 @@
         </p:blipFill>
         <p:spPr>
           <a:xfrm>
-            <a:off x="2583257" y="2562872"/>
+            <a:off x="4869257" y="2426347"/>
             <a:ext cx="4985943" cy="3930003"/>
           </a:xfrm>
           <a:prstGeom prst="rect">
